--- a/1. Lectures/Template_V1.pptx
+++ b/1. Lectures/Template_V1.pptx
@@ -230,7 +230,7 @@
             <a:fld id="{20597DA6-5F4F-42D3-8A01-E860A9714D40}" type="datetimeFigureOut">
               <a:rPr lang="es-ES" smtClean="0"/>
               <a:pPr/>
-              <a:t>13/02/2019</a:t>
+              <a:t>26/02/2019</a:t>
             </a:fld>
             <a:endParaRPr lang="es-ES"/>
           </a:p>
@@ -401,7 +401,7 @@
             <a:fld id="{D23D6ABD-B407-4DBB-94E4-3909D8A64036}" type="datetimeFigureOut">
               <a:rPr lang="es-ES" smtClean="0"/>
               <a:pPr/>
-              <a:t>13/02/2019</a:t>
+              <a:t>26/02/2019</a:t>
             </a:fld>
             <a:endParaRPr lang="es-ES"/>
           </a:p>
@@ -5102,7 +5102,7 @@
         </p:nvSpPr>
         <p:spPr>
           <a:xfrm>
-            <a:off x="3383691" y="465138"/>
+            <a:off x="3383691" y="355303"/>
             <a:ext cx="2521844" cy="769441"/>
           </a:xfrm>
           <a:prstGeom prst="rect">
@@ -5243,7 +5243,7 @@
         </p:blipFill>
         <p:spPr bwMode="auto">
           <a:xfrm>
-            <a:off x="309835" y="4788371"/>
+            <a:off x="2047870" y="3701375"/>
             <a:ext cx="1234440" cy="1234440"/>
           </a:xfrm>
           <a:prstGeom prst="rect">
@@ -5281,8 +5281,8 @@
         </p:blipFill>
         <p:spPr>
           <a:xfrm>
-            <a:off x="2156707" y="4039264"/>
-            <a:ext cx="1259840" cy="1259840"/>
+            <a:off x="108037" y="4778810"/>
+            <a:ext cx="2811083" cy="909601"/>
           </a:xfrm>
           <a:prstGeom prst="rect">
             <a:avLst/>
